--- a/OSu/Chap13.pptx
+++ b/OSu/Chap13.pptx
@@ -23061,8 +23061,13 @@
             <a:pPr lvl="1"/>
             <a:r>
               <a:rPr lang="en-US" altLang="en-US" sz="2000" dirty="0"/>
-              <a:t>But systems frequently have may file systems, some general- and some special- purpose</a:t>
-            </a:r>
+              <a:t>But systems frequently have may file systems, some general- and some </a:t>
+            </a:r>
+            <a:r>
+              <a:rPr lang="en-US" altLang="en-US" sz="2000" dirty="0" smtClean="0"/>
+              <a:t>special-purpose</a:t>
+            </a:r>
+            <a:endParaRPr lang="en-US" altLang="en-US" sz="2000" dirty="0"/>
           </a:p>
           <a:p>
             <a:r>
@@ -26480,7 +26485,15 @@
           <a:p>
             <a:r>
               <a:rPr lang="en-US" altLang="en-US" sz="2000" dirty="0"/>
-              <a:t>Network File System (NFS) is a common distributed file-sharing method</a:t>
+              <a:t>Network File System (NFS) is a common distributed </a:t>
+            </a:r>
+            <a:r>
+              <a:rPr lang="en-US" altLang="en-US" sz="2000" dirty="0" smtClean="0"/>
+              <a:t>file-sharing </a:t>
+            </a:r>
+            <a:r>
+              <a:rPr lang="en-US" altLang="en-US" sz="2000" dirty="0"/>
+              <a:t>method</a:t>
             </a:r>
           </a:p>
           <a:p>

--- a/OSu/Chap13.pptx
+++ b/OSu/Chap13.pptx
@@ -452,6 +452,11 @@
         </p:txBody>
       </p:sp>
     </p:spTree>
+    <p:extLst>
+      <p:ext uri="{BB962C8B-B14F-4D97-AF65-F5344CB8AC3E}">
+        <p14:creationId xmlns:p14="http://schemas.microsoft.com/office/powerpoint/2010/main" val="1"/>
+      </p:ext>
+    </p:extLst>
   </p:cSld>
   <p:clrMap bg1="lt1" tx1="dk1" bg2="lt2" tx2="dk2" accent1="accent1" accent2="accent2" accent3="accent3" accent4="accent4" accent5="accent5" accent6="accent6" hlink="hlink" folHlink="folHlink"/>
 </p:handoutMaster>
@@ -17671,15 +17676,7 @@
             <a:pPr eaLnBrk="1" hangingPunct="1"/>
             <a:r>
               <a:rPr lang="en-US" altLang="en-US" dirty="0"/>
-              <a:t>File Types – </a:t>
-            </a:r>
-            <a:r>
-              <a:rPr lang="en-US" altLang="en-US" dirty="0" smtClean="0"/>
-              <a:t>Filename </a:t>
-            </a:r>
-            <a:r>
-              <a:rPr lang="en-US" altLang="en-US" dirty="0"/>
-              <a:t>Extension</a:t>
+              <a:t>File Types – Filename Extension</a:t>
             </a:r>
           </a:p>
         </p:txBody>
@@ -17918,12 +17915,8 @@
               </a:lnSpc>
             </a:pPr>
             <a:r>
-              <a:rPr lang="en-US" altLang="en-US" sz="2000" dirty="0" smtClean="0"/>
-              <a:t>Who </a:t>
-            </a:r>
-            <a:r>
               <a:rPr lang="en-US" altLang="en-US" sz="2000" dirty="0"/>
-              <a:t>decides:</a:t>
+              <a:t>Who decides:</a:t>
             </a:r>
           </a:p>
           <a:p>
@@ -17933,10 +17926,9 @@
               </a:lnSpc>
             </a:pPr>
             <a:r>
-              <a:rPr lang="en-US" altLang="en-US" sz="2000" dirty="0" smtClean="0"/>
+              <a:rPr lang="en-US" altLang="en-US" sz="2000" dirty="0"/>
               <a:t>OS</a:t>
             </a:r>
-            <a:endParaRPr lang="en-US" altLang="en-US" sz="2000" dirty="0"/>
           </a:p>
           <a:p>
             <a:pPr lvl="1">
@@ -18591,13 +18583,8 @@
             </a:r>
             <a:r>
               <a:rPr lang="en-US" altLang="en-US" dirty="0"/>
-              <a:t>in </a:t>
-            </a:r>
-            <a:r>
-              <a:rPr lang="en-US" altLang="en-US" dirty="0" smtClean="0"/>
-              <a:t>Ch.14</a:t>
-            </a:r>
-            <a:endParaRPr lang="en-US" altLang="en-US" dirty="0"/>
+              <a:t>in Ch.14</a:t>
+            </a:r>
           </a:p>
         </p:txBody>
       </p:sp>
@@ -18953,20 +18940,12 @@
               </a:tabLst>
             </a:pPr>
             <a:r>
-              <a:rPr lang="en-US" altLang="en-US" sz="2000" dirty="0" smtClean="0">
+              <a:rPr lang="en-US" altLang="en-US" sz="2000" dirty="0">
                 <a:solidFill>
                   <a:srgbClr val="000000"/>
                 </a:solidFill>
               </a:rPr>
-              <a:t>Generally </a:t>
-            </a:r>
-            <a:r>
-              <a:rPr lang="en-US" altLang="en-US" sz="2000" dirty="0">
-                <a:solidFill>
-                  <a:srgbClr val="000000"/>
-                </a:solidFill>
-              </a:rPr>
-              <a:t>involve creation of an </a:t>
+              <a:t>Generally involve creation of an </a:t>
             </a:r>
             <a:r>
               <a:rPr lang="en-US" altLang="en-US" sz="2000" b="1" dirty="0">
@@ -19035,20 +19014,12 @@
               </a:tabLst>
             </a:pPr>
             <a:r>
-              <a:rPr lang="en-US" altLang="en-US" sz="2000" dirty="0" smtClean="0">
+              <a:rPr lang="en-US" altLang="en-US" sz="2000" dirty="0">
                 <a:solidFill>
                   <a:srgbClr val="000000"/>
                 </a:solidFill>
               </a:rPr>
-              <a:t>E.g. IBM </a:t>
-            </a:r>
-            <a:r>
-              <a:rPr lang="en-US" altLang="en-US" sz="2000" dirty="0">
-                <a:solidFill>
-                  <a:srgbClr val="000000"/>
-                </a:solidFill>
-              </a:rPr>
-              <a:t>indexed sequential-access method (ISAM)</a:t>
+              <a:t>E.g. IBM indexed sequential-access method (ISAM)</a:t>
             </a:r>
           </a:p>
           <a:p>
@@ -22835,15 +22806,7 @@
             </a:r>
             <a:r>
               <a:rPr lang="en-US" altLang="en-US" sz="2000" dirty="0"/>
-              <a:t>, frequently all within the same </a:t>
-            </a:r>
-            <a:r>
-              <a:rPr lang="en-US" altLang="en-US" sz="2000" dirty="0" smtClean="0"/>
-              <a:t>OS or </a:t>
-            </a:r>
-            <a:r>
-              <a:rPr lang="en-US" altLang="en-US" sz="2000" dirty="0"/>
-              <a:t>computer</a:t>
+              <a:t>, frequently all within the same OS or computer</a:t>
             </a:r>
           </a:p>
         </p:txBody>
@@ -23061,13 +23024,8 @@
             <a:pPr lvl="1"/>
             <a:r>
               <a:rPr lang="en-US" altLang="en-US" sz="2000" dirty="0"/>
-              <a:t>But systems frequently have may file systems, some general- and some </a:t>
-            </a:r>
-            <a:r>
-              <a:rPr lang="en-US" altLang="en-US" sz="2000" dirty="0" smtClean="0"/>
-              <a:t>special-purpose</a:t>
-            </a:r>
-            <a:endParaRPr lang="en-US" altLang="en-US" sz="2000" dirty="0"/>
+              <a:t>But systems frequently have may file systems, some general- and some special-purpose</a:t>
+            </a:r>
           </a:p>
           <a:p>
             <a:r>
@@ -23436,15 +23394,7 @@
             <a:pPr lvl="1"/>
             <a:r>
               <a:rPr lang="en-US" altLang="en-US" sz="2400" dirty="0"/>
-              <a:t>Two users can have </a:t>
-            </a:r>
-            <a:r>
-              <a:rPr lang="en-US" altLang="en-US" sz="2400" dirty="0" smtClean="0"/>
-              <a:t>the same </a:t>
-            </a:r>
-            <a:r>
-              <a:rPr lang="en-US" altLang="en-US" sz="2400" dirty="0"/>
-              <a:t>name for different files</a:t>
+              <a:t>Two users can have the same name for different files</a:t>
             </a:r>
           </a:p>
           <a:p>
@@ -25343,21 +25293,25 @@
           <a:p>
             <a:r>
               <a:rPr lang="en-US" altLang="en-US" sz="2400" dirty="0"/>
-              <a:t>To explain the </a:t>
-            </a:r>
-            <a:r>
-              <a:rPr lang="en-US" altLang="en-US" sz="2400" dirty="0" smtClean="0"/>
-              <a:t>functions </a:t>
-            </a:r>
+              <a:t>To explain the functions of file systems</a:t>
+            </a:r>
+          </a:p>
+          <a:p>
             <a:r>
               <a:rPr lang="en-US" altLang="en-US" sz="2400" dirty="0"/>
-              <a:t>of file systems</a:t>
-            </a:r>
-          </a:p>
-          <a:p>
+              <a:t>To describe the </a:t>
+            </a:r>
+            <a:r>
+              <a:rPr lang="en-US" altLang="en-US" sz="2400" dirty="0">
+                <a:solidFill>
+                  <a:srgbClr val="0000FF"/>
+                </a:solidFill>
+              </a:rPr>
+              <a:t>interfaces</a:t>
+            </a:r>
             <a:r>
               <a:rPr lang="en-US" altLang="en-US" sz="2400" dirty="0"/>
-              <a:t>To describe the interfaces to file systems</a:t>
+              <a:t> to file systems</a:t>
             </a:r>
           </a:p>
           <a:p>
@@ -25666,28 +25620,15 @@
             </a:r>
             <a:r>
               <a:rPr lang="en-US" altLang="en-US" sz="2400" dirty="0"/>
-              <a:t>, so we can delete all </a:t>
-            </a:r>
-            <a:r>
-              <a:rPr lang="en-US" altLang="en-US" sz="2400" dirty="0" smtClean="0"/>
-              <a:t>pointers</a:t>
+              <a:t>, so we can delete all pointers</a:t>
             </a:r>
           </a:p>
           <a:p>
             <a:pPr lvl="2"/>
             <a:r>
-              <a:rPr lang="en-US" altLang="en-US" sz="2400" dirty="0" smtClean="0"/>
-              <a:t>Variable </a:t>
-            </a:r>
-            <a:r>
               <a:rPr lang="en-US" altLang="en-US" sz="2400" dirty="0"/>
-              <a:t>size records </a:t>
-            </a:r>
-            <a:r>
-              <a:rPr lang="en-US" altLang="en-US" sz="2400" dirty="0" smtClean="0"/>
-              <a:t>problem</a:t>
-            </a:r>
-            <a:endParaRPr lang="en-US" altLang="en-US" sz="2400" dirty="0"/>
+              <a:t>Variable size records problem</a:t>
+            </a:r>
           </a:p>
           <a:p>
             <a:pPr lvl="1"/>
@@ -26485,15 +26426,7 @@
           <a:p>
             <a:r>
               <a:rPr lang="en-US" altLang="en-US" sz="2000" dirty="0"/>
-              <a:t>Network File System (NFS) is a common distributed </a:t>
-            </a:r>
-            <a:r>
-              <a:rPr lang="en-US" altLang="en-US" sz="2000" dirty="0" smtClean="0"/>
-              <a:t>file-sharing </a:t>
-            </a:r>
-            <a:r>
-              <a:rPr lang="en-US" altLang="en-US" sz="2000" dirty="0"/>
-              <a:t>method</a:t>
+              <a:t>Network File System (NFS) is a common distributed file-sharing method</a:t>
             </a:r>
           </a:p>
           <a:p>
@@ -26881,15 +26814,7 @@
             <a:pPr lvl="1"/>
             <a:r>
               <a:rPr lang="en-US" altLang="en-US" dirty="0"/>
-              <a:t>Standard </a:t>
-            </a:r>
-            <a:r>
-              <a:rPr lang="en-US" altLang="en-US" dirty="0" smtClean="0"/>
-              <a:t>OS file system </a:t>
-            </a:r>
-            <a:r>
-              <a:rPr lang="en-US" altLang="en-US" dirty="0"/>
-              <a:t>calls are translated into remote calls</a:t>
+              <a:t>Standard OS file system calls are translated into remote calls</a:t>
             </a:r>
           </a:p>
           <a:p>
@@ -27222,45 +27147,24 @@
             <a:pPr lvl="1"/>
             <a:r>
               <a:rPr lang="en-US" altLang="en-US" sz="2000" dirty="0"/>
-              <a:t>Similar to </a:t>
-            </a:r>
-            <a:r>
-              <a:rPr lang="en-US" altLang="en-US" sz="2000" dirty="0" smtClean="0"/>
-              <a:t>Ch.6 </a:t>
-            </a:r>
+              <a:t>Similar to Ch.6 process synchronization algorithms</a:t>
+            </a:r>
+          </a:p>
+          <a:p>
+            <a:pPr lvl="2"/>
             <a:r>
               <a:rPr lang="en-US" altLang="en-US" sz="2000" dirty="0"/>
-              <a:t>process synchronization algorithms</a:t>
-            </a:r>
-          </a:p>
-          <a:p>
-            <a:pPr lvl="2"/>
+              <a:t>Tend to be less complex due to disk I/O and network latency (for remote file systems)</a:t>
+            </a:r>
+          </a:p>
+          <a:p>
+            <a:pPr lvl="1"/>
             <a:r>
               <a:rPr lang="en-US" altLang="en-US" sz="2000" dirty="0"/>
-              <a:t>Tend to be less complex due to disk I/O and network latency (for remote file </a:t>
-            </a:r>
-            <a:r>
-              <a:rPr lang="en-US" altLang="en-US" sz="2000" dirty="0" smtClean="0"/>
-              <a:t>systems)</a:t>
-            </a:r>
-            <a:endParaRPr lang="en-US" altLang="en-US" sz="2000" dirty="0"/>
-          </a:p>
-          <a:p>
-            <a:pPr lvl="1"/>
-            <a:r>
-              <a:rPr lang="en-US" altLang="en-US" sz="2000" dirty="0" smtClean="0"/>
-              <a:t>Unix </a:t>
-            </a:r>
-            <a:r>
-              <a:rPr lang="en-US" altLang="en-US" sz="2000" dirty="0"/>
-              <a:t>file system (UFS) </a:t>
-            </a:r>
-            <a:r>
-              <a:rPr lang="en-US" altLang="en-US" sz="2000" dirty="0" smtClean="0"/>
-              <a:t>implements </a:t>
-            </a:r>
-            <a:r>
-              <a:rPr lang="en-US" altLang="en-US" sz="2000" dirty="0" smtClean="0">
+              <a:t>Unix file system (UFS) implements </a:t>
+            </a:r>
+            <a:r>
+              <a:rPr lang="en-US" altLang="en-US" sz="2000" dirty="0">
                 <a:solidFill>
                   <a:srgbClr val="0000FF"/>
                 </a:solidFill>
@@ -27268,10 +27172,9 @@
               <a:t>UNIX semantics</a:t>
             </a:r>
             <a:r>
-              <a:rPr lang="en-US" altLang="en-US" sz="2000" dirty="0" smtClean="0"/>
+              <a:rPr lang="en-US" altLang="en-US" sz="2000" dirty="0"/>
               <a:t>:</a:t>
             </a:r>
-            <a:endParaRPr lang="en-US" altLang="en-US" sz="2000" dirty="0"/>
           </a:p>
           <a:p>
             <a:pPr lvl="2"/>
@@ -27291,27 +27194,15 @@
             <a:pPr lvl="1"/>
             <a:r>
               <a:rPr lang="en-US" altLang="en-US" sz="2000" dirty="0"/>
-              <a:t>Andrew File System (AFS) implemented complex remote file sharing </a:t>
-            </a:r>
-            <a:r>
-              <a:rPr lang="en-US" altLang="en-US" sz="2000" dirty="0" smtClean="0"/>
-              <a:t>semantics - </a:t>
-            </a:r>
-            <a:r>
-              <a:rPr lang="en-US" altLang="en-US" sz="2000" dirty="0" smtClean="0">
+              <a:t>Andrew File System (AFS) implemented complex remote file sharing semantics - </a:t>
+            </a:r>
+            <a:r>
+              <a:rPr lang="en-US" altLang="en-US" sz="2000" dirty="0">
                 <a:solidFill>
                   <a:srgbClr val="0000FF"/>
                 </a:solidFill>
               </a:rPr>
-              <a:t>session </a:t>
-            </a:r>
-            <a:r>
-              <a:rPr lang="en-US" altLang="en-US" sz="2000" dirty="0">
-                <a:solidFill>
-                  <a:srgbClr val="0000FF"/>
-                </a:solidFill>
-              </a:rPr>
-              <a:t>semantics</a:t>
+              <a:t>session semantics</a:t>
             </a:r>
           </a:p>
           <a:p>
@@ -28038,17 +27929,8 @@
               <a:rPr lang="en-US" altLang="en-US" dirty="0">
                 <a:sym typeface="Symbol" panose="05050102010706020507" pitchFamily="18" charset="2"/>
               </a:rPr>
-              <a:t>Ask manager to create a group (unique name), say G, and add some users to the </a:t>
-            </a:r>
-            <a:r>
-              <a:rPr lang="en-US" altLang="en-US" dirty="0" smtClean="0">
-                <a:sym typeface="Symbol" panose="05050102010706020507" pitchFamily="18" charset="2"/>
-              </a:rPr>
-              <a:t>group</a:t>
-            </a:r>
-            <a:endParaRPr lang="en-US" altLang="en-US" dirty="0">
-              <a:sym typeface="Symbol" panose="05050102010706020507" pitchFamily="18" charset="2"/>
-            </a:endParaRPr>
+              <a:t>Ask manager to create a group (unique name), say G, and add some users to the group</a:t>
+            </a:r>
           </a:p>
           <a:p>
             <a:pPr>
@@ -28078,17 +27960,8 @@
               <a:rPr lang="en-US" altLang="en-US" dirty="0">
                 <a:sym typeface="Symbol" panose="05050102010706020507" pitchFamily="18" charset="2"/>
               </a:rPr>
-              <a:t>) or subdirectory, define an appropriate </a:t>
-            </a:r>
-            <a:r>
-              <a:rPr lang="en-US" altLang="en-US" dirty="0" smtClean="0">
-                <a:sym typeface="Symbol" panose="05050102010706020507" pitchFamily="18" charset="2"/>
-              </a:rPr>
-              <a:t>access</a:t>
-            </a:r>
-            <a:endParaRPr lang="en-US" altLang="en-US" dirty="0">
-              <a:sym typeface="Symbol" panose="05050102010706020507" pitchFamily="18" charset="2"/>
-            </a:endParaRPr>
+              <a:t>) or subdirectory, define an appropriate access</a:t>
+            </a:r>
           </a:p>
         </p:txBody>
       </p:sp>
@@ -28465,15 +28338,7 @@
             <a:pPr eaLnBrk="1" hangingPunct="1"/>
             <a:r>
               <a:rPr lang="en-US" altLang="en-US" sz="2800" dirty="0"/>
-              <a:t>Windows </a:t>
-            </a:r>
-            <a:r>
-              <a:rPr lang="en-US" altLang="en-US" sz="2800" dirty="0" smtClean="0"/>
-              <a:t>Access-Control </a:t>
-            </a:r>
-            <a:r>
-              <a:rPr lang="en-US" altLang="en-US" sz="2800" dirty="0"/>
-              <a:t>List Management</a:t>
+              <a:t>Windows Access-Control List Management</a:t>
             </a:r>
           </a:p>
         </p:txBody>
@@ -28856,13 +28721,8 @@
           <a:p>
             <a:r>
               <a:rPr lang="en-US" altLang="en-US" sz="2000" dirty="0"/>
-              <a:t>Many variations, including extended file attributes such as file </a:t>
-            </a:r>
-            <a:r>
-              <a:rPr lang="en-US" altLang="en-US" sz="2000" dirty="0" smtClean="0"/>
-              <a:t>checksum</a:t>
-            </a:r>
-            <a:endParaRPr lang="en-US" altLang="en-US" sz="2000" dirty="0"/>
+              <a:t>Many variations, including extended file attributes such as file checksum</a:t>
+            </a:r>
           </a:p>
         </p:txBody>
       </p:sp>
@@ -29081,17 +28941,16 @@
           </a:p>
           <a:p>
             <a:r>
-              <a:rPr lang="en-US" altLang="en-US" sz="2000" dirty="0" smtClean="0"/>
+              <a:rPr lang="en-US" altLang="en-US" sz="2000" dirty="0"/>
               <a:t>6 basic operations</a:t>
             </a:r>
           </a:p>
           <a:p>
             <a:pPr lvl="1"/>
             <a:r>
-              <a:rPr lang="en-US" altLang="en-US" sz="2000" b="1" dirty="0" smtClean="0"/>
+              <a:rPr lang="en-US" altLang="en-US" sz="2000" b="1" dirty="0"/>
               <a:t>Create</a:t>
             </a:r>
-            <a:endParaRPr lang="en-US" altLang="en-US" sz="2000" b="1" dirty="0"/>
           </a:p>
           <a:p>
             <a:pPr lvl="1"/>
@@ -29231,18 +29090,18 @@
           </a:p>
           <a:p>
             <a:r>
-              <a:rPr lang="en-US" altLang="en-US" sz="2000" dirty="0" smtClean="0"/>
+              <a:rPr lang="en-US" altLang="en-US" sz="2000" dirty="0"/>
               <a:t>To avoid constant searching of the file entry in the directory,</a:t>
             </a:r>
           </a:p>
           <a:p>
             <a:pPr lvl="1"/>
             <a:r>
-              <a:rPr lang="en-US" altLang="en-US" sz="2000" b="1" i="1" dirty="0" smtClean="0"/>
+              <a:rPr lang="en-US" altLang="en-US" sz="2000" b="1" i="1" dirty="0"/>
               <a:t>Open(F</a:t>
             </a:r>
             <a:r>
-              <a:rPr lang="en-US" altLang="en-US" sz="2000" b="1" i="1" baseline="-25000" dirty="0" smtClean="0"/>
+              <a:rPr lang="en-US" altLang="en-US" sz="2000" b="1" i="1" baseline="-25000" dirty="0"/>
               <a:t>i</a:t>
             </a:r>
             <a:r>
@@ -29483,15 +29342,7 @@
             </a:r>
             <a:r>
               <a:rPr lang="en-US" altLang="en-US" sz="2400" dirty="0"/>
-              <a:t>: counter of number of times a file is open – to allow removal of data from open-file table when </a:t>
-            </a:r>
-            <a:r>
-              <a:rPr lang="en-US" altLang="en-US" sz="2400" dirty="0" smtClean="0"/>
-              <a:t>the last process </a:t>
-            </a:r>
-            <a:r>
-              <a:rPr lang="en-US" altLang="en-US" sz="2400" dirty="0"/>
-              <a:t>closes it</a:t>
+              <a:t>: counter of number of times a file is open – to allow removal of data from open-file table when the last process closes it</a:t>
             </a:r>
           </a:p>
           <a:p>
@@ -29597,15 +29448,14 @@
           <a:p>
             <a:r>
               <a:rPr lang="en-US" altLang="en-US" sz="2000" dirty="0"/>
-              <a:t>Provided by some </a:t>
-            </a:r>
-            <a:r>
-              <a:rPr lang="en-US" altLang="en-US" sz="2000" dirty="0" smtClean="0"/>
-              <a:t>OS and </a:t>
-            </a:r>
+              <a:t>Open file locking provided by some OS and file systems</a:t>
+            </a:r>
+          </a:p>
+          <a:p>
+            <a:pPr lvl="1"/>
             <a:r>
               <a:rPr lang="en-US" altLang="en-US" sz="2000" dirty="0"/>
-              <a:t>file systems</a:t>
+              <a:t>Mediates access to a file</a:t>
             </a:r>
           </a:p>
           <a:p>
@@ -29616,7 +29466,7 @@
             </a:r>
           </a:p>
           <a:p>
-            <a:pPr lvl="1"/>
+            <a:pPr lvl="2"/>
             <a:r>
               <a:rPr lang="en-US" altLang="en-US" sz="2000" b="1" dirty="0">
                 <a:solidFill>
@@ -29645,7 +29495,7 @@
             </a:r>
           </a:p>
           <a:p>
-            <a:pPr lvl="1"/>
+            <a:pPr lvl="2"/>
             <a:r>
               <a:rPr lang="en-US" altLang="en-US" sz="2000" b="1" dirty="0">
                 <a:solidFill>
@@ -29683,12 +29533,6 @@
             <a:r>
               <a:rPr lang="en-US" altLang="en-US" sz="2000" dirty="0"/>
               <a:t>similar to writer lock</a:t>
-            </a:r>
-          </a:p>
-          <a:p>
-            <a:r>
-              <a:rPr lang="en-US" altLang="en-US" sz="2000" dirty="0"/>
-              <a:t>Mediates access to a file</a:t>
             </a:r>
           </a:p>
           <a:p>
